--- a/static/workflow_pic.pptx
+++ b/static/workflow_pic.pptx
@@ -4004,10 +4004,10 @@
         </p:nvGrpSpPr>
         <p:grpSpPr>
           <a:xfrm>
-            <a:off x="1311566" y="1183304"/>
-            <a:ext cx="9946459" cy="4726284"/>
+            <a:off x="1196917" y="1248211"/>
+            <a:ext cx="12010151" cy="4726284"/>
             <a:chOff x="925673" y="1233968"/>
-            <a:chExt cx="9946459" cy="4726284"/>
+            <a:chExt cx="12010151" cy="4726284"/>
           </a:xfrm>
         </p:grpSpPr>
         <p:pic>
@@ -4190,7 +4190,7 @@
           </p:nvSpPr>
           <p:spPr>
             <a:xfrm>
-              <a:off x="6298811" y="3454497"/>
+              <a:off x="5981428" y="3458584"/>
               <a:ext cx="656983" cy="285226"/>
             </a:xfrm>
             <a:prstGeom prst="rightArrow">
@@ -4248,7 +4248,7 @@
           </p:nvSpPr>
           <p:spPr>
             <a:xfrm>
-              <a:off x="7734649" y="3367748"/>
+              <a:off x="9798341" y="3370391"/>
               <a:ext cx="3137483" cy="369332"/>
             </a:xfrm>
             <a:prstGeom prst="rect">
@@ -4271,6 +4271,116 @@
           </p:txBody>
         </p:sp>
       </p:grpSp>
+      <p:sp>
+        <p:nvSpPr>
+          <p:cNvPr id="10" name="箭头: 右 9">
+            <a:extLst>
+              <a:ext uri="{FF2B5EF4-FFF2-40B4-BE49-F238E27FC236}">
+                <a16:creationId xmlns:a16="http://schemas.microsoft.com/office/drawing/2014/main" id="{3E8FE2A5-20AF-43FA-A92F-3062D0036688}"/>
+              </a:ext>
+            </a:extLst>
+          </p:cNvPr>
+          <p:cNvSpPr/>
+          <p:nvPr/>
+        </p:nvSpPr>
+        <p:spPr>
+          <a:xfrm>
+            <a:off x="9150897" y="3472827"/>
+            <a:ext cx="656983" cy="285226"/>
+          </a:xfrm>
+          <a:prstGeom prst="rightArrow">
+            <a:avLst/>
+          </a:prstGeom>
+          <a:solidFill>
+            <a:schemeClr val="tx2"/>
+          </a:solidFill>
+          <a:ln>
+            <a:solidFill>
+              <a:schemeClr val="bg2"/>
+            </a:solidFill>
+          </a:ln>
+        </p:spPr>
+        <p:style>
+          <a:lnRef idx="2">
+            <a:schemeClr val="accent1">
+              <a:shade val="50000"/>
+            </a:schemeClr>
+          </a:lnRef>
+          <a:fillRef idx="1">
+            <a:schemeClr val="accent1"/>
+          </a:fillRef>
+          <a:effectRef idx="0">
+            <a:schemeClr val="accent1"/>
+          </a:effectRef>
+          <a:fontRef idx="minor">
+            <a:schemeClr val="lt1"/>
+          </a:fontRef>
+        </p:style>
+        <p:txBody>
+          <a:bodyPr rtlCol="0" anchor="ctr"/>
+          <a:lstStyle/>
+          <a:p>
+            <a:pPr algn="ctr"/>
+            <a:endParaRPr lang="zh-CN" altLang="en-US" dirty="0">
+              <a:solidFill>
+                <a:schemeClr val="tx1"/>
+              </a:solidFill>
+            </a:endParaRPr>
+          </a:p>
+        </p:txBody>
+      </p:sp>
+      <p:sp>
+        <p:nvSpPr>
+          <p:cNvPr id="17" name="文本框 16">
+            <a:extLst>
+              <a:ext uri="{FF2B5EF4-FFF2-40B4-BE49-F238E27FC236}">
+                <a16:creationId xmlns:a16="http://schemas.microsoft.com/office/drawing/2014/main" id="{E83E370A-9890-4D72-8094-7A740A80F6B2}"/>
+              </a:ext>
+            </a:extLst>
+          </p:cNvPr>
+          <p:cNvSpPr txBox="1"/>
+          <p:nvPr/>
+        </p:nvSpPr>
+        <p:spPr>
+          <a:xfrm>
+            <a:off x="7094290" y="3429000"/>
+            <a:ext cx="3137483" cy="369332"/>
+          </a:xfrm>
+          <a:prstGeom prst="rect">
+            <a:avLst/>
+          </a:prstGeom>
+          <a:noFill/>
+        </p:spPr>
+        <p:txBody>
+          <a:bodyPr wrap="square" rtlCol="0">
+            <a:spAutoFit/>
+          </a:bodyPr>
+          <a:lstStyle/>
+          <a:p>
+            <a:r>
+              <a:rPr lang="en-US" altLang="zh-CN" b="0" i="0" dirty="0">
+                <a:solidFill>
+                  <a:srgbClr val="BDC1C6"/>
+                </a:solidFill>
+                <a:effectLst/>
+                <a:latin typeface="arial" panose="020B0604020202020204" pitchFamily="34" charset="0"/>
+              </a:rPr>
+              <a:t>manually </a:t>
+            </a:r>
+            <a:r>
+              <a:rPr lang="en-US" altLang="zh-CN" b="0" i="0" dirty="0">
+                <a:solidFill>
+                  <a:srgbClr val="FF7866"/>
+                </a:solidFill>
+                <a:effectLst/>
+                <a:latin typeface="arial" panose="020B0604020202020204" pitchFamily="34" charset="0"/>
+              </a:rPr>
+              <a:t>curated</a:t>
+            </a:r>
+            <a:endParaRPr lang="zh-CN" altLang="en-US" dirty="0"/>
+          </a:p>
+        </p:txBody>
+      </p:sp>
     </p:spTree>
     <p:extLst>
       <p:ext uri="{BB962C8B-B14F-4D97-AF65-F5344CB8AC3E}">
@@ -4936,7 +5046,7 @@
         </p:nvSpPr>
         <p:spPr>
           <a:xfrm>
-            <a:off x="7783931" y="3621673"/>
+            <a:off x="7917237" y="3577070"/>
             <a:ext cx="1778466" cy="646331"/>
           </a:xfrm>
           <a:prstGeom prst="rect">
@@ -4972,7 +5082,7 @@
         </p:nvSpPr>
         <p:spPr>
           <a:xfrm>
-            <a:off x="9629512" y="5288435"/>
+            <a:off x="9695703" y="5267453"/>
             <a:ext cx="1449897" cy="1216152"/>
           </a:xfrm>
           <a:prstGeom prst="can">
@@ -5029,8 +5139,8 @@
         </p:nvSpPr>
         <p:spPr>
           <a:xfrm>
-            <a:off x="7714725" y="4365105"/>
-            <a:ext cx="2072082" cy="923330"/>
+            <a:off x="7917237" y="4372248"/>
+            <a:ext cx="2072082" cy="746358"/>
           </a:xfrm>
           <a:prstGeom prst="rect">
             <a:avLst/>
@@ -5044,15 +5154,15 @@
           <a:lstStyle/>
           <a:p>
             <a:r>
-              <a:rPr lang="zh-CN" altLang="en-US" dirty="0"/>
+              <a:rPr lang="zh-CN" altLang="en-US" sz="1600" dirty="0"/>
               <a:t>omics_extract</a:t>
             </a:r>
             <a:r>
-              <a:rPr lang="en-US" altLang="zh-CN" dirty="0"/>
+              <a:rPr lang="en-US" altLang="zh-CN" sz="1600" dirty="0"/>
               <a:t>.</a:t>
             </a:r>
             <a:r>
-              <a:rPr lang="en-US" altLang="zh-CN" b="0" dirty="0" err="1">
+              <a:rPr lang="en-US" altLang="zh-CN" sz="1600" b="0" dirty="0" err="1">
                 <a:solidFill>
                   <a:srgbClr val="82AAFF"/>
                 </a:solidFill>
@@ -5061,11 +5171,19 @@
               </a:rPr>
               <a:t>extract_cancer_lines</a:t>
             </a:r>
-            <a:endParaRPr lang="en-US" altLang="zh-CN" b="0" dirty="0">
+            <a:endParaRPr lang="en-US" altLang="zh-CN" sz="1600" b="0" dirty="0">
               <a:solidFill>
-                <a:srgbClr val="EEFFFF"/>
+                <a:srgbClr val="82AAFF"/>
               </a:solidFill>
               <a:effectLst/>
+              <a:latin typeface="Consolas" panose="020B0609020204030204" pitchFamily="49" charset="0"/>
+            </a:endParaRPr>
+          </a:p>
+          <a:p>
+            <a:endParaRPr lang="en-US" altLang="zh-CN" sz="1050" dirty="0">
+              <a:solidFill>
+                <a:srgbClr val="82AAFF"/>
+              </a:solidFill>
               <a:latin typeface="Consolas" panose="020B0609020204030204" pitchFamily="49" charset="0"/>
             </a:endParaRPr>
           </a:p>

--- a/static/workflow_pic.pptx
+++ b/static/workflow_pic.pptx
@@ -261,7 +261,7 @@
           <a:p>
             <a:fld id="{17ABFE9D-76A5-46A1-8F05-5B2A9787D863}" type="datetimeFigureOut">
               <a:rPr lang="zh-CN" altLang="en-US" smtClean="0"/>
-              <a:t>2021/3/6</a:t>
+              <a:t>2021/3/9</a:t>
             </a:fld>
             <a:endParaRPr lang="zh-CN" altLang="en-US"/>
           </a:p>
@@ -459,7 +459,7 @@
           <a:p>
             <a:fld id="{17ABFE9D-76A5-46A1-8F05-5B2A9787D863}" type="datetimeFigureOut">
               <a:rPr lang="zh-CN" altLang="en-US" smtClean="0"/>
-              <a:t>2021/3/6</a:t>
+              <a:t>2021/3/9</a:t>
             </a:fld>
             <a:endParaRPr lang="zh-CN" altLang="en-US"/>
           </a:p>
@@ -667,7 +667,7 @@
           <a:p>
             <a:fld id="{17ABFE9D-76A5-46A1-8F05-5B2A9787D863}" type="datetimeFigureOut">
               <a:rPr lang="zh-CN" altLang="en-US" smtClean="0"/>
-              <a:t>2021/3/6</a:t>
+              <a:t>2021/3/9</a:t>
             </a:fld>
             <a:endParaRPr lang="zh-CN" altLang="en-US"/>
           </a:p>
@@ -865,7 +865,7 @@
           <a:p>
             <a:fld id="{17ABFE9D-76A5-46A1-8F05-5B2A9787D863}" type="datetimeFigureOut">
               <a:rPr lang="zh-CN" altLang="en-US" smtClean="0"/>
-              <a:t>2021/3/6</a:t>
+              <a:t>2021/3/9</a:t>
             </a:fld>
             <a:endParaRPr lang="zh-CN" altLang="en-US"/>
           </a:p>
@@ -1140,7 +1140,7 @@
           <a:p>
             <a:fld id="{17ABFE9D-76A5-46A1-8F05-5B2A9787D863}" type="datetimeFigureOut">
               <a:rPr lang="zh-CN" altLang="en-US" smtClean="0"/>
-              <a:t>2021/3/6</a:t>
+              <a:t>2021/3/9</a:t>
             </a:fld>
             <a:endParaRPr lang="zh-CN" altLang="en-US"/>
           </a:p>
@@ -1405,7 +1405,7 @@
           <a:p>
             <a:fld id="{17ABFE9D-76A5-46A1-8F05-5B2A9787D863}" type="datetimeFigureOut">
               <a:rPr lang="zh-CN" altLang="en-US" smtClean="0"/>
-              <a:t>2021/3/6</a:t>
+              <a:t>2021/3/9</a:t>
             </a:fld>
             <a:endParaRPr lang="zh-CN" altLang="en-US"/>
           </a:p>
@@ -1817,7 +1817,7 @@
           <a:p>
             <a:fld id="{17ABFE9D-76A5-46A1-8F05-5B2A9787D863}" type="datetimeFigureOut">
               <a:rPr lang="zh-CN" altLang="en-US" smtClean="0"/>
-              <a:t>2021/3/6</a:t>
+              <a:t>2021/3/9</a:t>
             </a:fld>
             <a:endParaRPr lang="zh-CN" altLang="en-US"/>
           </a:p>
@@ -1958,7 +1958,7 @@
           <a:p>
             <a:fld id="{17ABFE9D-76A5-46A1-8F05-5B2A9787D863}" type="datetimeFigureOut">
               <a:rPr lang="zh-CN" altLang="en-US" smtClean="0"/>
-              <a:t>2021/3/6</a:t>
+              <a:t>2021/3/9</a:t>
             </a:fld>
             <a:endParaRPr lang="zh-CN" altLang="en-US"/>
           </a:p>
@@ -2071,7 +2071,7 @@
           <a:p>
             <a:fld id="{17ABFE9D-76A5-46A1-8F05-5B2A9787D863}" type="datetimeFigureOut">
               <a:rPr lang="zh-CN" altLang="en-US" smtClean="0"/>
-              <a:t>2021/3/6</a:t>
+              <a:t>2021/3/9</a:t>
             </a:fld>
             <a:endParaRPr lang="zh-CN" altLang="en-US"/>
           </a:p>
@@ -2382,7 +2382,7 @@
           <a:p>
             <a:fld id="{17ABFE9D-76A5-46A1-8F05-5B2A9787D863}" type="datetimeFigureOut">
               <a:rPr lang="zh-CN" altLang="en-US" smtClean="0"/>
-              <a:t>2021/3/6</a:t>
+              <a:t>2021/3/9</a:t>
             </a:fld>
             <a:endParaRPr lang="zh-CN" altLang="en-US"/>
           </a:p>
@@ -2670,7 +2670,7 @@
           <a:p>
             <a:fld id="{17ABFE9D-76A5-46A1-8F05-5B2A9787D863}" type="datetimeFigureOut">
               <a:rPr lang="zh-CN" altLang="en-US" smtClean="0"/>
-              <a:t>2021/3/6</a:t>
+              <a:t>2021/3/9</a:t>
             </a:fld>
             <a:endParaRPr lang="zh-CN" altLang="en-US"/>
           </a:p>
@@ -2911,7 +2911,7 @@
           <a:p>
             <a:fld id="{17ABFE9D-76A5-46A1-8F05-5B2A9787D863}" type="datetimeFigureOut">
               <a:rPr lang="zh-CN" altLang="en-US" smtClean="0"/>
-              <a:t>2021/3/6</a:t>
+              <a:t>2021/3/9</a:t>
             </a:fld>
             <a:endParaRPr lang="zh-CN" altLang="en-US"/>
           </a:p>
@@ -3330,10 +3330,10 @@
       </p:grpSpPr>
       <p:grpSp>
         <p:nvGrpSpPr>
-          <p:cNvPr id="12" name="组合 11">
-            <a:extLst>
-              <a:ext uri="{FF2B5EF4-FFF2-40B4-BE49-F238E27FC236}">
-                <a16:creationId xmlns:a16="http://schemas.microsoft.com/office/drawing/2014/main" id="{766F408E-1C8D-4618-9DEA-DD6B53B7A111}"/>
+          <p:cNvPr id="7" name="组合 6">
+            <a:extLst>
+              <a:ext uri="{FF2B5EF4-FFF2-40B4-BE49-F238E27FC236}">
+                <a16:creationId xmlns:a16="http://schemas.microsoft.com/office/drawing/2014/main" id="{79541C54-3FE1-4366-8099-F568A7274806}"/>
               </a:ext>
             </a:extLst>
           </p:cNvPr>
@@ -3342,18 +3342,110 @@
         </p:nvGrpSpPr>
         <p:grpSpPr>
           <a:xfrm>
-            <a:off x="440334" y="2747527"/>
-            <a:ext cx="2428702" cy="2252447"/>
-            <a:chOff x="557779" y="3242478"/>
-            <a:chExt cx="3611548" cy="2194830"/>
+            <a:off x="627962" y="744429"/>
+            <a:ext cx="11564038" cy="4592626"/>
+            <a:chOff x="392395" y="1331659"/>
+            <a:chExt cx="11564038" cy="4592626"/>
           </a:xfrm>
         </p:grpSpPr>
+        <p:grpSp>
+          <p:nvGrpSpPr>
+            <p:cNvPr id="12" name="组合 11">
+              <a:extLst>
+                <a:ext uri="{FF2B5EF4-FFF2-40B4-BE49-F238E27FC236}">
+                  <a16:creationId xmlns:a16="http://schemas.microsoft.com/office/drawing/2014/main" id="{766F408E-1C8D-4618-9DEA-DD6B53B7A111}"/>
+                </a:ext>
+              </a:extLst>
+            </p:cNvPr>
+            <p:cNvGrpSpPr/>
+            <p:nvPr/>
+          </p:nvGrpSpPr>
+          <p:grpSpPr>
+            <a:xfrm>
+              <a:off x="392395" y="2641512"/>
+              <a:ext cx="2428702" cy="2252448"/>
+              <a:chOff x="436594" y="4381684"/>
+              <a:chExt cx="3611548" cy="2194831"/>
+            </a:xfrm>
+          </p:grpSpPr>
+          <p:sp>
+            <p:nvSpPr>
+              <p:cNvPr id="5" name="文本框 4">
+                <a:extLst>
+                  <a:ext uri="{FF2B5EF4-FFF2-40B4-BE49-F238E27FC236}">
+                    <a16:creationId xmlns:a16="http://schemas.microsoft.com/office/drawing/2014/main" id="{5F8471E6-A24D-45CE-AC68-A38CF4B85DEC}"/>
+                  </a:ext>
+                </a:extLst>
+              </p:cNvPr>
+              <p:cNvSpPr txBox="1"/>
+              <p:nvPr/>
+            </p:nvSpPr>
+            <p:spPr>
+              <a:xfrm>
+                <a:off x="578673" y="5406890"/>
+                <a:ext cx="3469468" cy="1169625"/>
+              </a:xfrm>
+              <a:prstGeom prst="rect">
+                <a:avLst/>
+              </a:prstGeom>
+              <a:noFill/>
+            </p:spPr>
+            <p:txBody>
+              <a:bodyPr wrap="square">
+                <a:spAutoFit/>
+              </a:bodyPr>
+              <a:lstStyle/>
+              <a:p>
+                <a:r>
+                  <a:rPr lang="en-US" altLang="zh-CN" dirty="0"/>
+                  <a:t>Items:5533</a:t>
+                </a:r>
+              </a:p>
+              <a:p>
+                <a:r>
+                  <a:rPr lang="zh-CN" altLang="en-US" dirty="0"/>
+                  <a:t>pmc_result_for_organoid_full_pattern1_20210226.xml</a:t>
+                </a:r>
+              </a:p>
+            </p:txBody>
+          </p:sp>
+          <p:pic>
+            <p:nvPicPr>
+              <p:cNvPr id="11" name="图片 10">
+                <a:extLst>
+                  <a:ext uri="{FF2B5EF4-FFF2-40B4-BE49-F238E27FC236}">
+                    <a16:creationId xmlns:a16="http://schemas.microsoft.com/office/drawing/2014/main" id="{25A7BF4B-6862-4F72-A95E-8B553240C220}"/>
+                  </a:ext>
+                </a:extLst>
+              </p:cNvPr>
+              <p:cNvPicPr>
+                <a:picLocks noChangeAspect="1"/>
+              </p:cNvPicPr>
+              <p:nvPr/>
+            </p:nvPicPr>
+            <p:blipFill>
+              <a:blip r:embed="rId2"/>
+              <a:stretch>
+                <a:fillRect/>
+              </a:stretch>
+            </p:blipFill>
+            <p:spPr>
+              <a:xfrm>
+                <a:off x="436594" y="4381684"/>
+                <a:ext cx="3611548" cy="950795"/>
+              </a:xfrm>
+              <a:prstGeom prst="rect">
+                <a:avLst/>
+              </a:prstGeom>
+            </p:spPr>
+          </p:pic>
+        </p:grpSp>
         <p:sp>
           <p:nvSpPr>
-            <p:cNvPr id="5" name="文本框 4">
+            <p:cNvPr id="14" name="文本框 13">
               <a:extLst>
                 <a:ext uri="{FF2B5EF4-FFF2-40B4-BE49-F238E27FC236}">
-                  <a16:creationId xmlns:a16="http://schemas.microsoft.com/office/drawing/2014/main" id="{5F8471E6-A24D-45CE-AC68-A38CF4B85DEC}"/>
+                  <a16:creationId xmlns:a16="http://schemas.microsoft.com/office/drawing/2014/main" id="{EB533A95-FD12-4837-947D-4D8686EFFBA4}"/>
                 </a:ext>
               </a:extLst>
             </p:cNvPr>
@@ -3362,8 +3454,8 @@
           </p:nvSpPr>
           <p:spPr>
             <a:xfrm>
-              <a:off x="699859" y="4267683"/>
-              <a:ext cx="3469468" cy="1169625"/>
+              <a:off x="4446211" y="2032410"/>
+              <a:ext cx="2251318" cy="1200329"/>
             </a:xfrm>
             <a:prstGeom prst="rect">
               <a:avLst/>
@@ -3377,94 +3469,604 @@
             <a:lstStyle/>
             <a:p>
               <a:r>
+                <a:rPr lang="zh-CN" altLang="en-US" dirty="0"/>
+                <a:t>pmc_result_for_organoid_full_pattern1_match_omics</a:t>
+              </a:r>
+              <a:r>
                 <a:rPr lang="en-US" altLang="zh-CN" dirty="0"/>
-                <a:t>Items:5533</a:t>
+                <a:t>_v2</a:t>
               </a:r>
+              <a:r>
+                <a:rPr lang="zh-CN" altLang="en-US" dirty="0"/>
+                <a:t>.txt</a:t>
+              </a:r>
+              <a:endParaRPr lang="en-US" altLang="zh-CN" dirty="0"/>
             </a:p>
             <a:p>
+              <a:endParaRPr lang="en-US" altLang="zh-CN" dirty="0"/>
+            </a:p>
+          </p:txBody>
+        </p:sp>
+        <p:sp>
+          <p:nvSpPr>
+            <p:cNvPr id="15" name="箭头: 右 14">
+              <a:extLst>
+                <a:ext uri="{FF2B5EF4-FFF2-40B4-BE49-F238E27FC236}">
+                  <a16:creationId xmlns:a16="http://schemas.microsoft.com/office/drawing/2014/main" id="{C11E9C2B-F575-4505-9B87-76B187D89E3C}"/>
+                </a:ext>
+              </a:extLst>
+            </p:cNvPr>
+            <p:cNvSpPr/>
+            <p:nvPr/>
+          </p:nvSpPr>
+          <p:spPr>
+            <a:xfrm>
+              <a:off x="3481431" y="2373517"/>
+              <a:ext cx="553674" cy="302004"/>
+            </a:xfrm>
+            <a:prstGeom prst="rightArrow">
+              <a:avLst/>
+            </a:prstGeom>
+            <a:solidFill>
+              <a:schemeClr val="tx2">
+                <a:lumMod val="60000"/>
+                <a:lumOff val="40000"/>
+              </a:schemeClr>
+            </a:solidFill>
+          </p:spPr>
+          <p:style>
+            <a:lnRef idx="2">
+              <a:schemeClr val="accent1">
+                <a:shade val="50000"/>
+              </a:schemeClr>
+            </a:lnRef>
+            <a:fillRef idx="1">
+              <a:schemeClr val="accent1"/>
+            </a:fillRef>
+            <a:effectRef idx="0">
+              <a:schemeClr val="accent1"/>
+            </a:effectRef>
+            <a:fontRef idx="minor">
+              <a:schemeClr val="lt1"/>
+            </a:fontRef>
+          </p:style>
+          <p:txBody>
+            <a:bodyPr rtlCol="0" anchor="ctr"/>
+            <a:lstStyle/>
+            <a:p>
+              <a:pPr algn="ctr"/>
+              <a:endParaRPr lang="zh-CN" altLang="en-US">
+                <a:solidFill>
+                  <a:schemeClr val="tx1"/>
+                </a:solidFill>
+              </a:endParaRPr>
+            </a:p>
+          </p:txBody>
+        </p:sp>
+        <p:sp>
+          <p:nvSpPr>
+            <p:cNvPr id="17" name="文本框 16">
+              <a:extLst>
+                <a:ext uri="{FF2B5EF4-FFF2-40B4-BE49-F238E27FC236}">
+                  <a16:creationId xmlns:a16="http://schemas.microsoft.com/office/drawing/2014/main" id="{7B06966C-1179-420B-8681-92D7FEB20B69}"/>
+                </a:ext>
+              </a:extLst>
+            </p:cNvPr>
+            <p:cNvSpPr txBox="1"/>
+            <p:nvPr/>
+          </p:nvSpPr>
+          <p:spPr>
+            <a:xfrm>
+              <a:off x="2902592" y="4728825"/>
+              <a:ext cx="2147581" cy="307777"/>
+            </a:xfrm>
+            <a:prstGeom prst="rect">
+              <a:avLst/>
+            </a:prstGeom>
+            <a:noFill/>
+          </p:spPr>
+          <p:txBody>
+            <a:bodyPr wrap="square">
+              <a:spAutoFit/>
+            </a:bodyPr>
+            <a:lstStyle/>
+            <a:p>
               <a:r>
-                <a:rPr lang="zh-CN" altLang="en-US" dirty="0"/>
-                <a:t>pmc_result_for_organoid_full_pattern1_20210226.xml</a:t>
+                <a:rPr lang="zh-CN" altLang="en-US" sz="1400" dirty="0"/>
+                <a:t>omics_keywords</a:t>
+              </a:r>
+              <a:r>
+                <a:rPr lang="en-US" altLang="zh-CN" sz="1400" dirty="0"/>
+                <a:t>_v2</a:t>
+              </a:r>
+              <a:r>
+                <a:rPr lang="zh-CN" altLang="en-US" sz="1400" dirty="0"/>
+                <a:t>.txt</a:t>
               </a:r>
             </a:p>
           </p:txBody>
         </p:sp>
-        <p:pic>
-          <p:nvPicPr>
-            <p:cNvPr id="11" name="图片 10">
+        <p:sp>
+          <p:nvSpPr>
+            <p:cNvPr id="18" name="箭头: 右 17">
               <a:extLst>
                 <a:ext uri="{FF2B5EF4-FFF2-40B4-BE49-F238E27FC236}">
-                  <a16:creationId xmlns:a16="http://schemas.microsoft.com/office/drawing/2014/main" id="{25A7BF4B-6862-4F72-A95E-8B553240C220}"/>
+                  <a16:creationId xmlns:a16="http://schemas.microsoft.com/office/drawing/2014/main" id="{3274787F-C26A-47C9-8EC1-3E10EEB4134A}"/>
                 </a:ext>
               </a:extLst>
             </p:cNvPr>
-            <p:cNvPicPr>
-              <a:picLocks noChangeAspect="1"/>
-            </p:cNvPicPr>
+            <p:cNvSpPr/>
             <p:nvPr/>
-          </p:nvPicPr>
-          <p:blipFill>
-            <a:blip r:embed="rId2"/>
-            <a:stretch>
-              <a:fillRect/>
-            </a:stretch>
-          </p:blipFill>
+          </p:nvSpPr>
           <p:spPr>
             <a:xfrm>
-              <a:off x="557779" y="3242478"/>
-              <a:ext cx="3611548" cy="950795"/>
+              <a:off x="7226080" y="2347782"/>
+              <a:ext cx="578841" cy="302004"/>
+            </a:xfrm>
+            <a:prstGeom prst="rightArrow">
+              <a:avLst/>
+            </a:prstGeom>
+            <a:solidFill>
+              <a:schemeClr val="tx2">
+                <a:lumMod val="60000"/>
+                <a:lumOff val="40000"/>
+              </a:schemeClr>
+            </a:solidFill>
+          </p:spPr>
+          <p:style>
+            <a:lnRef idx="2">
+              <a:schemeClr val="accent1">
+                <a:shade val="50000"/>
+              </a:schemeClr>
+            </a:lnRef>
+            <a:fillRef idx="1">
+              <a:schemeClr val="accent1"/>
+            </a:fillRef>
+            <a:effectRef idx="0">
+              <a:schemeClr val="accent1"/>
+            </a:effectRef>
+            <a:fontRef idx="minor">
+              <a:schemeClr val="lt1"/>
+            </a:fontRef>
+          </p:style>
+          <p:txBody>
+            <a:bodyPr rtlCol="0" anchor="ctr"/>
+            <a:lstStyle/>
+            <a:p>
+              <a:pPr algn="ctr"/>
+              <a:endParaRPr lang="zh-CN" altLang="en-US">
+                <a:solidFill>
+                  <a:schemeClr val="tx1"/>
+                </a:solidFill>
+              </a:endParaRPr>
+            </a:p>
+          </p:txBody>
+        </p:sp>
+        <p:sp>
+          <p:nvSpPr>
+            <p:cNvPr id="20" name="文本框 19">
+              <a:extLst>
+                <a:ext uri="{FF2B5EF4-FFF2-40B4-BE49-F238E27FC236}">
+                  <a16:creationId xmlns:a16="http://schemas.microsoft.com/office/drawing/2014/main" id="{1DECB054-315D-4C3E-B92C-C00408FD049B}"/>
+                </a:ext>
+              </a:extLst>
+            </p:cNvPr>
+            <p:cNvSpPr txBox="1"/>
+            <p:nvPr/>
+          </p:nvSpPr>
+          <p:spPr>
+            <a:xfrm>
+              <a:off x="7010076" y="1331659"/>
+              <a:ext cx="1221569" cy="923330"/>
             </a:xfrm>
             <a:prstGeom prst="rect">
               <a:avLst/>
             </a:prstGeom>
+            <a:noFill/>
           </p:spPr>
-        </p:pic>
+          <p:txBody>
+            <a:bodyPr wrap="square">
+              <a:spAutoFit/>
+            </a:bodyPr>
+            <a:lstStyle/>
+            <a:p>
+              <a:r>
+                <a:rPr lang="zh-CN" altLang="en-US" dirty="0"/>
+                <a:t>all_cancer_type_synonym.txt</a:t>
+              </a:r>
+            </a:p>
+          </p:txBody>
+        </p:sp>
+        <p:sp>
+          <p:nvSpPr>
+            <p:cNvPr id="28" name="文本框 27">
+              <a:extLst>
+                <a:ext uri="{FF2B5EF4-FFF2-40B4-BE49-F238E27FC236}">
+                  <a16:creationId xmlns:a16="http://schemas.microsoft.com/office/drawing/2014/main" id="{FFB7F8C6-5847-45F3-A681-FDF8DF9BF785}"/>
+                </a:ext>
+              </a:extLst>
+            </p:cNvPr>
+            <p:cNvSpPr txBox="1"/>
+            <p:nvPr/>
+          </p:nvSpPr>
+          <p:spPr>
+            <a:xfrm>
+              <a:off x="8534873" y="2062854"/>
+              <a:ext cx="3250349" cy="923330"/>
+            </a:xfrm>
+            <a:prstGeom prst="rect">
+              <a:avLst/>
+            </a:prstGeom>
+            <a:noFill/>
+          </p:spPr>
+          <p:txBody>
+            <a:bodyPr wrap="square">
+              <a:spAutoFit/>
+            </a:bodyPr>
+            <a:lstStyle/>
+            <a:p>
+              <a:r>
+                <a:rPr lang="zh-CN" altLang="en-US" dirty="0"/>
+                <a:t>pmc_result_for_organoid_full_pattern1_match_omics_cancers_20210226.txt</a:t>
+              </a:r>
+            </a:p>
+          </p:txBody>
+        </p:sp>
+        <p:sp>
+          <p:nvSpPr>
+            <p:cNvPr id="34" name="箭头: 右 33">
+              <a:extLst>
+                <a:ext uri="{FF2B5EF4-FFF2-40B4-BE49-F238E27FC236}">
+                  <a16:creationId xmlns:a16="http://schemas.microsoft.com/office/drawing/2014/main" id="{DA2A6731-C100-4EDD-8CC3-C1FB64866203}"/>
+                </a:ext>
+              </a:extLst>
+            </p:cNvPr>
+            <p:cNvSpPr/>
+            <p:nvPr/>
+          </p:nvSpPr>
+          <p:spPr>
+            <a:xfrm rot="1719073">
+              <a:off x="3495202" y="3839095"/>
+              <a:ext cx="553674" cy="302004"/>
+            </a:xfrm>
+            <a:prstGeom prst="rightArrow">
+              <a:avLst/>
+            </a:prstGeom>
+            <a:solidFill>
+              <a:schemeClr val="tx2">
+                <a:lumMod val="60000"/>
+                <a:lumOff val="40000"/>
+              </a:schemeClr>
+            </a:solidFill>
+          </p:spPr>
+          <p:style>
+            <a:lnRef idx="2">
+              <a:schemeClr val="accent1">
+                <a:shade val="50000"/>
+              </a:schemeClr>
+            </a:lnRef>
+            <a:fillRef idx="1">
+              <a:schemeClr val="accent1"/>
+            </a:fillRef>
+            <a:effectRef idx="0">
+              <a:schemeClr val="accent1"/>
+            </a:effectRef>
+            <a:fontRef idx="minor">
+              <a:schemeClr val="lt1"/>
+            </a:fontRef>
+          </p:style>
+          <p:txBody>
+            <a:bodyPr rtlCol="0" anchor="ctr"/>
+            <a:lstStyle/>
+            <a:p>
+              <a:pPr algn="ctr"/>
+              <a:endParaRPr lang="zh-CN" altLang="en-US">
+                <a:solidFill>
+                  <a:schemeClr val="tx1"/>
+                </a:solidFill>
+              </a:endParaRPr>
+            </a:p>
+          </p:txBody>
+        </p:sp>
+        <p:sp>
+          <p:nvSpPr>
+            <p:cNvPr id="36" name="文本框 35">
+              <a:extLst>
+                <a:ext uri="{FF2B5EF4-FFF2-40B4-BE49-F238E27FC236}">
+                  <a16:creationId xmlns:a16="http://schemas.microsoft.com/office/drawing/2014/main" id="{3EF788AE-5517-4240-BCF6-EB9281B9F467}"/>
+                </a:ext>
+              </a:extLst>
+            </p:cNvPr>
+            <p:cNvSpPr txBox="1"/>
+            <p:nvPr/>
+          </p:nvSpPr>
+          <p:spPr>
+            <a:xfrm>
+              <a:off x="4316104" y="3932181"/>
+              <a:ext cx="3227819" cy="646331"/>
+            </a:xfrm>
+            <a:prstGeom prst="rect">
+              <a:avLst/>
+            </a:prstGeom>
+            <a:noFill/>
+          </p:spPr>
+          <p:txBody>
+            <a:bodyPr wrap="square">
+              <a:spAutoFit/>
+            </a:bodyPr>
+            <a:lstStyle/>
+            <a:p>
+              <a:r>
+                <a:rPr lang="zh-CN" altLang="en-US" dirty="0"/>
+                <a:t>pmc_result_for_organoid_full_pattern1_</a:t>
+              </a:r>
+              <a:r>
+                <a:rPr lang="en-US" altLang="zh-CN" dirty="0"/>
+                <a:t>match</a:t>
+              </a:r>
+              <a:r>
+                <a:rPr lang="zh-CN" altLang="en-US" dirty="0"/>
+                <a:t>lines_</a:t>
+              </a:r>
+              <a:r>
+                <a:rPr lang="en-US" altLang="zh-CN" dirty="0"/>
+                <a:t>v2</a:t>
+              </a:r>
+              <a:r>
+                <a:rPr lang="zh-CN" altLang="en-US" dirty="0"/>
+                <a:t>.txt</a:t>
+              </a:r>
+            </a:p>
+          </p:txBody>
+        </p:sp>
+        <p:sp>
+          <p:nvSpPr>
+            <p:cNvPr id="37" name="箭头: 右 36">
+              <a:extLst>
+                <a:ext uri="{FF2B5EF4-FFF2-40B4-BE49-F238E27FC236}">
+                  <a16:creationId xmlns:a16="http://schemas.microsoft.com/office/drawing/2014/main" id="{D3D29B46-2EDC-4885-B511-1B639DAB5831}"/>
+                </a:ext>
+              </a:extLst>
+            </p:cNvPr>
+            <p:cNvSpPr/>
+            <p:nvPr/>
+          </p:nvSpPr>
+          <p:spPr>
+            <a:xfrm rot="1719073">
+              <a:off x="6417897" y="4789627"/>
+              <a:ext cx="553674" cy="302004"/>
+            </a:xfrm>
+            <a:prstGeom prst="rightArrow">
+              <a:avLst/>
+            </a:prstGeom>
+            <a:solidFill>
+              <a:schemeClr val="tx2">
+                <a:lumMod val="60000"/>
+                <a:lumOff val="40000"/>
+              </a:schemeClr>
+            </a:solidFill>
+          </p:spPr>
+          <p:style>
+            <a:lnRef idx="2">
+              <a:schemeClr val="accent1">
+                <a:shade val="50000"/>
+              </a:schemeClr>
+            </a:lnRef>
+            <a:fillRef idx="1">
+              <a:schemeClr val="accent1"/>
+            </a:fillRef>
+            <a:effectRef idx="0">
+              <a:schemeClr val="accent1"/>
+            </a:effectRef>
+            <a:fontRef idx="minor">
+              <a:schemeClr val="lt1"/>
+            </a:fontRef>
+          </p:style>
+          <p:txBody>
+            <a:bodyPr rtlCol="0" anchor="ctr"/>
+            <a:lstStyle/>
+            <a:p>
+              <a:pPr algn="ctr"/>
+              <a:endParaRPr lang="zh-CN" altLang="en-US" dirty="0">
+                <a:solidFill>
+                  <a:schemeClr val="tx1"/>
+                </a:solidFill>
+              </a:endParaRPr>
+            </a:p>
+          </p:txBody>
+        </p:sp>
+        <p:sp>
+          <p:nvSpPr>
+            <p:cNvPr id="38" name="文本框 37">
+              <a:extLst>
+                <a:ext uri="{FF2B5EF4-FFF2-40B4-BE49-F238E27FC236}">
+                  <a16:creationId xmlns:a16="http://schemas.microsoft.com/office/drawing/2014/main" id="{E5E529DF-96F8-4ADD-A20D-77ECBFA26D1C}"/>
+                </a:ext>
+              </a:extLst>
+            </p:cNvPr>
+            <p:cNvSpPr txBox="1"/>
+            <p:nvPr/>
+          </p:nvSpPr>
+          <p:spPr>
+            <a:xfrm>
+              <a:off x="5674117" y="5277954"/>
+              <a:ext cx="3103926" cy="646331"/>
+            </a:xfrm>
+            <a:prstGeom prst="rect">
+              <a:avLst/>
+            </a:prstGeom>
+            <a:noFill/>
+          </p:spPr>
+          <p:txBody>
+            <a:bodyPr wrap="square" rtlCol="0">
+              <a:spAutoFit/>
+            </a:bodyPr>
+            <a:lstStyle/>
+            <a:p>
+              <a:r>
+                <a:rPr lang="en-US" altLang="zh-CN" dirty="0"/>
+                <a:t>FOR </a:t>
+              </a:r>
+              <a:r>
+                <a:rPr lang="en-US" altLang="zh-CN" b="0" i="0" dirty="0">
+                  <a:solidFill>
+                    <a:srgbClr val="333333"/>
+                  </a:solidFill>
+                  <a:effectLst/>
+                  <a:latin typeface="Helvetica Neue"/>
+                </a:rPr>
+                <a:t>eliminate false discovered omics data.</a:t>
+              </a:r>
+              <a:endParaRPr lang="zh-CN" altLang="en-US" dirty="0"/>
+            </a:p>
+          </p:txBody>
+        </p:sp>
+        <p:sp>
+          <p:nvSpPr>
+            <p:cNvPr id="19" name="箭头: 右 18">
+              <a:extLst>
+                <a:ext uri="{FF2B5EF4-FFF2-40B4-BE49-F238E27FC236}">
+                  <a16:creationId xmlns:a16="http://schemas.microsoft.com/office/drawing/2014/main" id="{F6C880C9-D1EA-4A92-BF27-D38D4C2F1EDA}"/>
+                </a:ext>
+              </a:extLst>
+            </p:cNvPr>
+            <p:cNvSpPr/>
+            <p:nvPr/>
+          </p:nvSpPr>
+          <p:spPr>
+            <a:xfrm>
+              <a:off x="7742542" y="4104345"/>
+              <a:ext cx="553674" cy="302004"/>
+            </a:xfrm>
+            <a:prstGeom prst="rightArrow">
+              <a:avLst/>
+            </a:prstGeom>
+            <a:solidFill>
+              <a:schemeClr val="tx2">
+                <a:lumMod val="60000"/>
+                <a:lumOff val="40000"/>
+              </a:schemeClr>
+            </a:solidFill>
+          </p:spPr>
+          <p:style>
+            <a:lnRef idx="2">
+              <a:schemeClr val="accent1">
+                <a:shade val="50000"/>
+              </a:schemeClr>
+            </a:lnRef>
+            <a:fillRef idx="1">
+              <a:schemeClr val="accent1"/>
+            </a:fillRef>
+            <a:effectRef idx="0">
+              <a:schemeClr val="accent1"/>
+            </a:effectRef>
+            <a:fontRef idx="minor">
+              <a:schemeClr val="lt1"/>
+            </a:fontRef>
+          </p:style>
+          <p:txBody>
+            <a:bodyPr rtlCol="0" anchor="ctr"/>
+            <a:lstStyle/>
+            <a:p>
+              <a:pPr algn="ctr"/>
+              <a:endParaRPr lang="zh-CN" altLang="en-US">
+                <a:solidFill>
+                  <a:schemeClr val="tx1"/>
+                </a:solidFill>
+              </a:endParaRPr>
+            </a:p>
+          </p:txBody>
+        </p:sp>
+        <p:sp>
+          <p:nvSpPr>
+            <p:cNvPr id="21" name="文本框 20">
+              <a:extLst>
+                <a:ext uri="{FF2B5EF4-FFF2-40B4-BE49-F238E27FC236}">
+                  <a16:creationId xmlns:a16="http://schemas.microsoft.com/office/drawing/2014/main" id="{741D5FA8-5ECE-4F77-B412-3E58C8FC2596}"/>
+                </a:ext>
+              </a:extLst>
+            </p:cNvPr>
+            <p:cNvSpPr txBox="1"/>
+            <p:nvPr/>
+          </p:nvSpPr>
+          <p:spPr>
+            <a:xfrm>
+              <a:off x="7084093" y="3558668"/>
+              <a:ext cx="1870571" cy="253916"/>
+            </a:xfrm>
+            <a:prstGeom prst="rect">
+              <a:avLst/>
+            </a:prstGeom>
+            <a:noFill/>
+          </p:spPr>
+          <p:txBody>
+            <a:bodyPr wrap="square">
+              <a:spAutoFit/>
+            </a:bodyPr>
+            <a:lstStyle/>
+            <a:p>
+              <a:r>
+                <a:rPr lang="en-US" altLang="zh-CN" sz="1050" b="0" dirty="0" err="1">
+                  <a:solidFill>
+                    <a:srgbClr val="82AAFF"/>
+                  </a:solidFill>
+                  <a:effectLst/>
+                  <a:latin typeface="Consolas" panose="020B0609020204030204" pitchFamily="49" charset="0"/>
+                </a:rPr>
+                <a:t>pmc_extract_omics_terms</a:t>
+              </a:r>
+              <a:endParaRPr lang="en-US" altLang="zh-CN" sz="1050" b="0" dirty="0">
+                <a:solidFill>
+                  <a:srgbClr val="EEFFFF"/>
+                </a:solidFill>
+                <a:effectLst/>
+                <a:latin typeface="Consolas" panose="020B0609020204030204" pitchFamily="49" charset="0"/>
+              </a:endParaRPr>
+            </a:p>
+          </p:txBody>
+        </p:sp>
+        <p:sp>
+          <p:nvSpPr>
+            <p:cNvPr id="23" name="文本框 22">
+              <a:extLst>
+                <a:ext uri="{FF2B5EF4-FFF2-40B4-BE49-F238E27FC236}">
+                  <a16:creationId xmlns:a16="http://schemas.microsoft.com/office/drawing/2014/main" id="{C2F00012-D6E2-46F5-B1DC-82C35AA3B754}"/>
+                </a:ext>
+              </a:extLst>
+            </p:cNvPr>
+            <p:cNvSpPr txBox="1"/>
+            <p:nvPr/>
+          </p:nvSpPr>
+          <p:spPr>
+            <a:xfrm>
+              <a:off x="8363660" y="3781678"/>
+              <a:ext cx="3592773" cy="923330"/>
+            </a:xfrm>
+            <a:prstGeom prst="rect">
+              <a:avLst/>
+            </a:prstGeom>
+            <a:noFill/>
+          </p:spPr>
+          <p:txBody>
+            <a:bodyPr wrap="square">
+              <a:spAutoFit/>
+            </a:bodyPr>
+            <a:lstStyle/>
+            <a:p>
+              <a:r>
+                <a:rPr lang="zh-CN" altLang="en-US" dirty="0"/>
+                <a:t>pmc_result_for_organoid_full_pattern1_matchlines_omicsterms_v2.txt</a:t>
+              </a:r>
+            </a:p>
+          </p:txBody>
+        </p:sp>
       </p:grpSp>
       <p:sp>
         <p:nvSpPr>
-          <p:cNvPr id="14" name="文本框 13">
-            <a:extLst>
-              <a:ext uri="{FF2B5EF4-FFF2-40B4-BE49-F238E27FC236}">
-                <a16:creationId xmlns:a16="http://schemas.microsoft.com/office/drawing/2014/main" id="{EB533A95-FD12-4837-947D-4D8686EFFBA4}"/>
-              </a:ext>
-            </a:extLst>
-          </p:cNvPr>
-          <p:cNvSpPr txBox="1"/>
-          <p:nvPr/>
-        </p:nvSpPr>
-        <p:spPr>
-          <a:xfrm>
-            <a:off x="4412655" y="3307536"/>
-            <a:ext cx="2251318" cy="1200329"/>
-          </a:xfrm>
-          <a:prstGeom prst="rect">
-            <a:avLst/>
-          </a:prstGeom>
-          <a:noFill/>
-        </p:spPr>
-        <p:txBody>
-          <a:bodyPr wrap="square">
-            <a:spAutoFit/>
-          </a:bodyPr>
-          <a:lstStyle/>
-          <a:p>
-            <a:r>
-              <a:rPr lang="zh-CN" altLang="en-US" dirty="0"/>
-              <a:t>pmc_result_for_organoid_full_pattern1_match_omics.txt</a:t>
-            </a:r>
-            <a:endParaRPr lang="en-US" altLang="zh-CN" dirty="0"/>
-          </a:p>
-          <a:p>
-            <a:endParaRPr lang="en-US" altLang="zh-CN" dirty="0"/>
-          </a:p>
-        </p:txBody>
-      </p:sp>
-      <p:sp>
-        <p:nvSpPr>
-          <p:cNvPr id="15" name="箭头: 右 14">
-            <a:extLst>
-              <a:ext uri="{FF2B5EF4-FFF2-40B4-BE49-F238E27FC236}">
-                <a16:creationId xmlns:a16="http://schemas.microsoft.com/office/drawing/2014/main" id="{C11E9C2B-F575-4505-9B87-76B187D89E3C}"/>
+          <p:cNvPr id="25" name="箭头: 右 24">
+            <a:extLst>
+              <a:ext uri="{FF2B5EF4-FFF2-40B4-BE49-F238E27FC236}">
+                <a16:creationId xmlns:a16="http://schemas.microsoft.com/office/drawing/2014/main" id="{7E55C850-73BD-4AD3-B9C8-8F1F0EB9D625}"/>
               </a:ext>
             </a:extLst>
           </p:cNvPr>
@@ -3472,8 +4074,8 @@
           <p:nvPr/>
         </p:nvSpPr>
         <p:spPr>
-          <a:xfrm>
-            <a:off x="3447875" y="3648643"/>
+          <a:xfrm rot="5400000">
+            <a:off x="10118776" y="4298370"/>
             <a:ext cx="553674" cy="302004"/>
           </a:xfrm>
           <a:prstGeom prst="rightArrow">
@@ -3507,7 +4109,7 @@
           <a:lstStyle/>
           <a:p>
             <a:pPr algn="ctr"/>
-            <a:endParaRPr lang="zh-CN" altLang="en-US">
+            <a:endParaRPr lang="zh-CN" altLang="en-US" dirty="0">
               <a:solidFill>
                 <a:schemeClr val="tx1"/>
               </a:solidFill>
@@ -3517,10 +4119,10 @@
       </p:sp>
       <p:sp>
         <p:nvSpPr>
-          <p:cNvPr id="17" name="文本框 16">
-            <a:extLst>
-              <a:ext uri="{FF2B5EF4-FFF2-40B4-BE49-F238E27FC236}">
-                <a16:creationId xmlns:a16="http://schemas.microsoft.com/office/drawing/2014/main" id="{7B06966C-1179-420B-8681-92D7FEB20B69}"/>
+          <p:cNvPr id="8" name="文本框 7">
+            <a:extLst>
+              <a:ext uri="{FF2B5EF4-FFF2-40B4-BE49-F238E27FC236}">
+                <a16:creationId xmlns:a16="http://schemas.microsoft.com/office/drawing/2014/main" id="{C5CD8ACA-0748-4281-9466-6C7480CF7A39}"/>
               </a:ext>
             </a:extLst>
           </p:cNvPr>
@@ -3529,8 +4131,8 @@
         </p:nvSpPr>
         <p:spPr>
           <a:xfrm>
-            <a:off x="2869036" y="6003951"/>
-            <a:ext cx="1797203" cy="307777"/>
+            <a:off x="10669714" y="4160831"/>
+            <a:ext cx="1273750" cy="577081"/>
           </a:xfrm>
           <a:prstGeom prst="rect">
             <a:avLst/>
@@ -3538,425 +4140,16 @@
           <a:noFill/>
         </p:spPr>
         <p:txBody>
-          <a:bodyPr wrap="square">
-            <a:spAutoFit/>
-          </a:bodyPr>
-          <a:lstStyle/>
-          <a:p>
-            <a:r>
-              <a:rPr lang="zh-CN" altLang="en-US" sz="1400" dirty="0"/>
-              <a:t>omics_keywords.txt</a:t>
-            </a:r>
-          </a:p>
-        </p:txBody>
-      </p:sp>
-      <p:sp>
-        <p:nvSpPr>
-          <p:cNvPr id="18" name="箭头: 右 17">
-            <a:extLst>
-              <a:ext uri="{FF2B5EF4-FFF2-40B4-BE49-F238E27FC236}">
-                <a16:creationId xmlns:a16="http://schemas.microsoft.com/office/drawing/2014/main" id="{3274787F-C26A-47C9-8EC1-3E10EEB4134A}"/>
-              </a:ext>
-            </a:extLst>
-          </p:cNvPr>
-          <p:cNvSpPr/>
-          <p:nvPr/>
-        </p:nvSpPr>
-        <p:spPr>
-          <a:xfrm>
-            <a:off x="7192524" y="3622908"/>
-            <a:ext cx="578841" cy="302004"/>
-          </a:xfrm>
-          <a:prstGeom prst="rightArrow">
-            <a:avLst/>
-          </a:prstGeom>
-          <a:solidFill>
-            <a:schemeClr val="tx2">
-              <a:lumMod val="60000"/>
-              <a:lumOff val="40000"/>
-            </a:schemeClr>
-          </a:solidFill>
-        </p:spPr>
-        <p:style>
-          <a:lnRef idx="2">
-            <a:schemeClr val="accent1">
-              <a:shade val="50000"/>
-            </a:schemeClr>
-          </a:lnRef>
-          <a:fillRef idx="1">
-            <a:schemeClr val="accent1"/>
-          </a:fillRef>
-          <a:effectRef idx="0">
-            <a:schemeClr val="accent1"/>
-          </a:effectRef>
-          <a:fontRef idx="minor">
-            <a:schemeClr val="lt1"/>
-          </a:fontRef>
-        </p:style>
-        <p:txBody>
-          <a:bodyPr rtlCol="0" anchor="ctr"/>
-          <a:lstStyle/>
-          <a:p>
-            <a:pPr algn="ctr"/>
-            <a:endParaRPr lang="zh-CN" altLang="en-US">
-              <a:solidFill>
-                <a:schemeClr val="tx1"/>
-              </a:solidFill>
-            </a:endParaRPr>
-          </a:p>
-        </p:txBody>
-      </p:sp>
-      <p:sp>
-        <p:nvSpPr>
-          <p:cNvPr id="20" name="文本框 19">
-            <a:extLst>
-              <a:ext uri="{FF2B5EF4-FFF2-40B4-BE49-F238E27FC236}">
-                <a16:creationId xmlns:a16="http://schemas.microsoft.com/office/drawing/2014/main" id="{1DECB054-315D-4C3E-B92C-C00408FD049B}"/>
-              </a:ext>
-            </a:extLst>
-          </p:cNvPr>
-          <p:cNvSpPr txBox="1"/>
-          <p:nvPr/>
-        </p:nvSpPr>
-        <p:spPr>
-          <a:xfrm>
-            <a:off x="6976520" y="2606785"/>
-            <a:ext cx="1221569" cy="923330"/>
-          </a:xfrm>
-          <a:prstGeom prst="rect">
-            <a:avLst/>
-          </a:prstGeom>
-          <a:noFill/>
-        </p:spPr>
-        <p:txBody>
-          <a:bodyPr wrap="square">
-            <a:spAutoFit/>
-          </a:bodyPr>
-          <a:lstStyle/>
-          <a:p>
-            <a:r>
-              <a:rPr lang="zh-CN" altLang="en-US" dirty="0"/>
-              <a:t>all_cancer_type_synonym.txt</a:t>
-            </a:r>
-          </a:p>
-        </p:txBody>
-      </p:sp>
-      <p:sp>
-        <p:nvSpPr>
-          <p:cNvPr id="28" name="文本框 27">
-            <a:extLst>
-              <a:ext uri="{FF2B5EF4-FFF2-40B4-BE49-F238E27FC236}">
-                <a16:creationId xmlns:a16="http://schemas.microsoft.com/office/drawing/2014/main" id="{FFB7F8C6-5847-45F3-A681-FDF8DF9BF785}"/>
-              </a:ext>
-            </a:extLst>
-          </p:cNvPr>
-          <p:cNvSpPr txBox="1"/>
-          <p:nvPr/>
-        </p:nvSpPr>
-        <p:spPr>
-          <a:xfrm>
-            <a:off x="8501317" y="3337980"/>
-            <a:ext cx="3250349" cy="923330"/>
-          </a:xfrm>
-          <a:prstGeom prst="rect">
-            <a:avLst/>
-          </a:prstGeom>
-          <a:noFill/>
-        </p:spPr>
-        <p:txBody>
-          <a:bodyPr wrap="square">
-            <a:spAutoFit/>
-          </a:bodyPr>
-          <a:lstStyle/>
-          <a:p>
-            <a:r>
-              <a:rPr lang="zh-CN" altLang="en-US" dirty="0"/>
-              <a:t>pmc_result_for_organoid_full_pattern1_match_omics_cancers_20210226.txt</a:t>
-            </a:r>
-          </a:p>
-        </p:txBody>
-      </p:sp>
-      <p:sp>
-        <p:nvSpPr>
-          <p:cNvPr id="29" name="箭头: 右 28">
-            <a:extLst>
-              <a:ext uri="{FF2B5EF4-FFF2-40B4-BE49-F238E27FC236}">
-                <a16:creationId xmlns:a16="http://schemas.microsoft.com/office/drawing/2014/main" id="{B88E82CE-D1CD-41C6-A200-590546A96329}"/>
-              </a:ext>
-            </a:extLst>
-          </p:cNvPr>
-          <p:cNvSpPr/>
-          <p:nvPr/>
-        </p:nvSpPr>
-        <p:spPr>
-          <a:xfrm rot="19733126">
-            <a:off x="3297658" y="2056662"/>
-            <a:ext cx="656656" cy="365628"/>
-          </a:xfrm>
-          <a:prstGeom prst="rightArrow">
-            <a:avLst/>
-          </a:prstGeom>
-          <a:solidFill>
-            <a:schemeClr val="tx2">
-              <a:lumMod val="60000"/>
-              <a:lumOff val="40000"/>
-            </a:schemeClr>
-          </a:solidFill>
-        </p:spPr>
-        <p:style>
-          <a:lnRef idx="2">
-            <a:schemeClr val="accent1">
-              <a:shade val="50000"/>
-            </a:schemeClr>
-          </a:lnRef>
-          <a:fillRef idx="1">
-            <a:schemeClr val="accent1"/>
-          </a:fillRef>
-          <a:effectRef idx="0">
-            <a:schemeClr val="accent1"/>
-          </a:effectRef>
-          <a:fontRef idx="minor">
-            <a:schemeClr val="lt1"/>
-          </a:fontRef>
-        </p:style>
-        <p:txBody>
-          <a:bodyPr rtlCol="0" anchor="ctr"/>
-          <a:lstStyle/>
-          <a:p>
-            <a:pPr algn="ctr"/>
-            <a:endParaRPr lang="zh-CN" altLang="en-US">
-              <a:solidFill>
-                <a:schemeClr val="tx1"/>
-              </a:solidFill>
-            </a:endParaRPr>
-          </a:p>
-        </p:txBody>
-      </p:sp>
-      <p:sp>
-        <p:nvSpPr>
-          <p:cNvPr id="31" name="文本框 30">
-            <a:extLst>
-              <a:ext uri="{FF2B5EF4-FFF2-40B4-BE49-F238E27FC236}">
-                <a16:creationId xmlns:a16="http://schemas.microsoft.com/office/drawing/2014/main" id="{FDFD0BC2-8C8E-43DC-9311-BEE4B15CF493}"/>
-              </a:ext>
-            </a:extLst>
-          </p:cNvPr>
-          <p:cNvSpPr txBox="1"/>
-          <p:nvPr/>
-        </p:nvSpPr>
-        <p:spPr>
-          <a:xfrm>
-            <a:off x="4437777" y="888120"/>
-            <a:ext cx="2917362" cy="923330"/>
-          </a:xfrm>
-          <a:prstGeom prst="rect">
-            <a:avLst/>
-          </a:prstGeom>
-          <a:noFill/>
-        </p:spPr>
-        <p:txBody>
-          <a:bodyPr wrap="square">
-            <a:spAutoFit/>
-          </a:bodyPr>
-          <a:lstStyle/>
-          <a:p>
-            <a:r>
-              <a:rPr lang="zh-CN" altLang="en-US" dirty="0"/>
-              <a:t>pmc_result_for_organoid_full_pattern1_pmid_20210226.txt</a:t>
-            </a:r>
-          </a:p>
-        </p:txBody>
-      </p:sp>
-      <p:sp>
-        <p:nvSpPr>
-          <p:cNvPr id="34" name="箭头: 右 33">
-            <a:extLst>
-              <a:ext uri="{FF2B5EF4-FFF2-40B4-BE49-F238E27FC236}">
-                <a16:creationId xmlns:a16="http://schemas.microsoft.com/office/drawing/2014/main" id="{DA2A6731-C100-4EDD-8CC3-C1FB64866203}"/>
-              </a:ext>
-            </a:extLst>
-          </p:cNvPr>
-          <p:cNvSpPr/>
-          <p:nvPr/>
-        </p:nvSpPr>
-        <p:spPr>
-          <a:xfrm rot="1719073">
-            <a:off x="3461646" y="5114221"/>
-            <a:ext cx="553674" cy="302004"/>
-          </a:xfrm>
-          <a:prstGeom prst="rightArrow">
-            <a:avLst/>
-          </a:prstGeom>
-          <a:solidFill>
-            <a:schemeClr val="tx2">
-              <a:lumMod val="60000"/>
-              <a:lumOff val="40000"/>
-            </a:schemeClr>
-          </a:solidFill>
-        </p:spPr>
-        <p:style>
-          <a:lnRef idx="2">
-            <a:schemeClr val="accent1">
-              <a:shade val="50000"/>
-            </a:schemeClr>
-          </a:lnRef>
-          <a:fillRef idx="1">
-            <a:schemeClr val="accent1"/>
-          </a:fillRef>
-          <a:effectRef idx="0">
-            <a:schemeClr val="accent1"/>
-          </a:effectRef>
-          <a:fontRef idx="minor">
-            <a:schemeClr val="lt1"/>
-          </a:fontRef>
-        </p:style>
-        <p:txBody>
-          <a:bodyPr rtlCol="0" anchor="ctr"/>
-          <a:lstStyle/>
-          <a:p>
-            <a:pPr algn="ctr"/>
-            <a:endParaRPr lang="zh-CN" altLang="en-US">
-              <a:solidFill>
-                <a:schemeClr val="tx1"/>
-              </a:solidFill>
-            </a:endParaRPr>
-          </a:p>
-        </p:txBody>
-      </p:sp>
-      <p:sp>
-        <p:nvSpPr>
-          <p:cNvPr id="36" name="文本框 35">
-            <a:extLst>
-              <a:ext uri="{FF2B5EF4-FFF2-40B4-BE49-F238E27FC236}">
-                <a16:creationId xmlns:a16="http://schemas.microsoft.com/office/drawing/2014/main" id="{3EF788AE-5517-4240-BCF6-EB9281B9F467}"/>
-              </a:ext>
-            </a:extLst>
-          </p:cNvPr>
-          <p:cNvSpPr txBox="1"/>
-          <p:nvPr/>
-        </p:nvSpPr>
-        <p:spPr>
-          <a:xfrm>
-            <a:off x="4282548" y="5207307"/>
-            <a:ext cx="3227819" cy="646331"/>
-          </a:xfrm>
-          <a:prstGeom prst="rect">
-            <a:avLst/>
-          </a:prstGeom>
-          <a:noFill/>
-        </p:spPr>
-        <p:txBody>
-          <a:bodyPr wrap="square">
-            <a:spAutoFit/>
-          </a:bodyPr>
-          <a:lstStyle/>
-          <a:p>
-            <a:r>
-              <a:rPr lang="zh-CN" altLang="en-US" dirty="0"/>
-              <a:t>pmc_result_for_organoid_full_pattern1_lines_20210226.txt</a:t>
-            </a:r>
-          </a:p>
-        </p:txBody>
-      </p:sp>
-      <p:sp>
-        <p:nvSpPr>
-          <p:cNvPr id="37" name="箭头: 右 36">
-            <a:extLst>
-              <a:ext uri="{FF2B5EF4-FFF2-40B4-BE49-F238E27FC236}">
-                <a16:creationId xmlns:a16="http://schemas.microsoft.com/office/drawing/2014/main" id="{D3D29B46-2EDC-4885-B511-1B639DAB5831}"/>
-              </a:ext>
-            </a:extLst>
-          </p:cNvPr>
-          <p:cNvSpPr/>
-          <p:nvPr/>
-        </p:nvSpPr>
-        <p:spPr>
-          <a:xfrm rot="1719073">
-            <a:off x="7393644" y="6136828"/>
-            <a:ext cx="553674" cy="302004"/>
-          </a:xfrm>
-          <a:prstGeom prst="rightArrow">
-            <a:avLst/>
-          </a:prstGeom>
-          <a:solidFill>
-            <a:schemeClr val="tx2">
-              <a:lumMod val="60000"/>
-              <a:lumOff val="40000"/>
-            </a:schemeClr>
-          </a:solidFill>
-        </p:spPr>
-        <p:style>
-          <a:lnRef idx="2">
-            <a:schemeClr val="accent1">
-              <a:shade val="50000"/>
-            </a:schemeClr>
-          </a:lnRef>
-          <a:fillRef idx="1">
-            <a:schemeClr val="accent1"/>
-          </a:fillRef>
-          <a:effectRef idx="0">
-            <a:schemeClr val="accent1"/>
-          </a:effectRef>
-          <a:fontRef idx="minor">
-            <a:schemeClr val="lt1"/>
-          </a:fontRef>
-        </p:style>
-        <p:txBody>
-          <a:bodyPr rtlCol="0" anchor="ctr"/>
-          <a:lstStyle/>
-          <a:p>
-            <a:pPr algn="ctr"/>
-            <a:endParaRPr lang="zh-CN" altLang="en-US">
-              <a:solidFill>
-                <a:schemeClr val="tx1"/>
-              </a:solidFill>
-            </a:endParaRPr>
-          </a:p>
-        </p:txBody>
-      </p:sp>
-      <p:sp>
-        <p:nvSpPr>
-          <p:cNvPr id="38" name="文本框 37">
-            <a:extLst>
-              <a:ext uri="{FF2B5EF4-FFF2-40B4-BE49-F238E27FC236}">
-                <a16:creationId xmlns:a16="http://schemas.microsoft.com/office/drawing/2014/main" id="{E5E529DF-96F8-4ADD-A20D-77ECBFA26D1C}"/>
-              </a:ext>
-            </a:extLst>
-          </p:cNvPr>
-          <p:cNvSpPr txBox="1"/>
-          <p:nvPr/>
-        </p:nvSpPr>
-        <p:spPr>
-          <a:xfrm>
-            <a:off x="8397380" y="6157839"/>
-            <a:ext cx="3103926" cy="646331"/>
-          </a:xfrm>
-          <a:prstGeom prst="rect">
-            <a:avLst/>
-          </a:prstGeom>
-          <a:noFill/>
-        </p:spPr>
-        <p:txBody>
           <a:bodyPr wrap="square" rtlCol="0">
             <a:spAutoFit/>
           </a:bodyPr>
           <a:lstStyle/>
           <a:p>
             <a:r>
-              <a:rPr lang="en-US" altLang="zh-CN" dirty="0"/>
-              <a:t>FOR </a:t>
-            </a:r>
-            <a:r>
-              <a:rPr lang="en-US" altLang="zh-CN" b="0" i="0" dirty="0">
-                <a:solidFill>
-                  <a:srgbClr val="333333"/>
-                </a:solidFill>
-                <a:effectLst/>
-                <a:latin typeface="Helvetica Neue"/>
-              </a:rPr>
-              <a:t>eliminate false discovered omics data.</a:t>
-            </a:r>
-            <a:endParaRPr lang="zh-CN" altLang="en-US" dirty="0"/>
+              <a:rPr lang="en-US" altLang="zh-CN" sz="1050" dirty="0"/>
+              <a:t>Automatically or manually clean the data</a:t>
+            </a:r>
+            <a:endParaRPr lang="zh-CN" altLang="en-US" sz="1050" dirty="0"/>
           </a:p>
         </p:txBody>
       </p:sp>
